--- a/creacion imagenes.pptx
+++ b/creacion imagenes.pptx
@@ -263,7 +263,7 @@
           <a:p>
             <a:fld id="{FDFA6107-2DB4-4B44-8172-D4EFEA3F0323}" type="datetimeFigureOut">
               <a:rPr lang="es-CO" smtClean="0"/>
-              <a:t>13/06/2021</a:t>
+              <a:t>22/12/2021</a:t>
             </a:fld>
             <a:endParaRPr lang="es-CO"/>
           </a:p>
@@ -463,7 +463,7 @@
           <a:p>
             <a:fld id="{FDFA6107-2DB4-4B44-8172-D4EFEA3F0323}" type="datetimeFigureOut">
               <a:rPr lang="es-CO" smtClean="0"/>
-              <a:t>13/06/2021</a:t>
+              <a:t>22/12/2021</a:t>
             </a:fld>
             <a:endParaRPr lang="es-CO"/>
           </a:p>
@@ -673,7 +673,7 @@
           <a:p>
             <a:fld id="{FDFA6107-2DB4-4B44-8172-D4EFEA3F0323}" type="datetimeFigureOut">
               <a:rPr lang="es-CO" smtClean="0"/>
-              <a:t>13/06/2021</a:t>
+              <a:t>22/12/2021</a:t>
             </a:fld>
             <a:endParaRPr lang="es-CO"/>
           </a:p>
@@ -873,7 +873,7 @@
           <a:p>
             <a:fld id="{FDFA6107-2DB4-4B44-8172-D4EFEA3F0323}" type="datetimeFigureOut">
               <a:rPr lang="es-CO" smtClean="0"/>
-              <a:t>13/06/2021</a:t>
+              <a:t>22/12/2021</a:t>
             </a:fld>
             <a:endParaRPr lang="es-CO"/>
           </a:p>
@@ -1149,7 +1149,7 @@
           <a:p>
             <a:fld id="{FDFA6107-2DB4-4B44-8172-D4EFEA3F0323}" type="datetimeFigureOut">
               <a:rPr lang="es-CO" smtClean="0"/>
-              <a:t>13/06/2021</a:t>
+              <a:t>22/12/2021</a:t>
             </a:fld>
             <a:endParaRPr lang="es-CO"/>
           </a:p>
@@ -1417,7 +1417,7 @@
           <a:p>
             <a:fld id="{FDFA6107-2DB4-4B44-8172-D4EFEA3F0323}" type="datetimeFigureOut">
               <a:rPr lang="es-CO" smtClean="0"/>
-              <a:t>13/06/2021</a:t>
+              <a:t>22/12/2021</a:t>
             </a:fld>
             <a:endParaRPr lang="es-CO"/>
           </a:p>
@@ -1832,7 +1832,7 @@
           <a:p>
             <a:fld id="{FDFA6107-2DB4-4B44-8172-D4EFEA3F0323}" type="datetimeFigureOut">
               <a:rPr lang="es-CO" smtClean="0"/>
-              <a:t>13/06/2021</a:t>
+              <a:t>22/12/2021</a:t>
             </a:fld>
             <a:endParaRPr lang="es-CO"/>
           </a:p>
@@ -1974,7 +1974,7 @@
           <a:p>
             <a:fld id="{FDFA6107-2DB4-4B44-8172-D4EFEA3F0323}" type="datetimeFigureOut">
               <a:rPr lang="es-CO" smtClean="0"/>
-              <a:t>13/06/2021</a:t>
+              <a:t>22/12/2021</a:t>
             </a:fld>
             <a:endParaRPr lang="es-CO"/>
           </a:p>
@@ -2087,7 +2087,7 @@
           <a:p>
             <a:fld id="{FDFA6107-2DB4-4B44-8172-D4EFEA3F0323}" type="datetimeFigureOut">
               <a:rPr lang="es-CO" smtClean="0"/>
-              <a:t>13/06/2021</a:t>
+              <a:t>22/12/2021</a:t>
             </a:fld>
             <a:endParaRPr lang="es-CO"/>
           </a:p>
@@ -2400,7 +2400,7 @@
           <a:p>
             <a:fld id="{FDFA6107-2DB4-4B44-8172-D4EFEA3F0323}" type="datetimeFigureOut">
               <a:rPr lang="es-CO" smtClean="0"/>
-              <a:t>13/06/2021</a:t>
+              <a:t>22/12/2021</a:t>
             </a:fld>
             <a:endParaRPr lang="es-CO"/>
           </a:p>
@@ -2689,7 +2689,7 @@
           <a:p>
             <a:fld id="{FDFA6107-2DB4-4B44-8172-D4EFEA3F0323}" type="datetimeFigureOut">
               <a:rPr lang="es-CO" smtClean="0"/>
-              <a:t>13/06/2021</a:t>
+              <a:t>22/12/2021</a:t>
             </a:fld>
             <a:endParaRPr lang="es-CO"/>
           </a:p>
@@ -2932,7 +2932,7 @@
           <a:p>
             <a:fld id="{FDFA6107-2DB4-4B44-8172-D4EFEA3F0323}" type="datetimeFigureOut">
               <a:rPr lang="es-CO" smtClean="0"/>
-              <a:t>13/06/2021</a:t>
+              <a:t>22/12/2021</a:t>
             </a:fld>
             <a:endParaRPr lang="es-CO"/>
           </a:p>
@@ -4013,6 +4013,182 @@
           </a:prstGeom>
         </p:spPr>
       </p:pic>
+      <p:pic>
+        <p:nvPicPr>
+          <p:cNvPr id="4" name="Gráfico 3" descr="Valla">
+            <a:extLst>
+              <a:ext uri="{FF2B5EF4-FFF2-40B4-BE49-F238E27FC236}">
+                <a16:creationId xmlns:a16="http://schemas.microsoft.com/office/drawing/2014/main" id="{1CDF9FFE-6ECE-400D-91C8-C55E8991A902}"/>
+              </a:ext>
+            </a:extLst>
+          </p:cNvPr>
+          <p:cNvPicPr>
+            <a:picLocks noChangeAspect="1"/>
+          </p:cNvPicPr>
+          <p:nvPr/>
+        </p:nvPicPr>
+        <p:blipFill>
+          <a:blip r:embed="rId30">
+            <a:extLst>
+              <a:ext uri="{28A0092B-C50C-407E-A947-70E740481C1C}">
+                <a14:useLocalDpi xmlns:a14="http://schemas.microsoft.com/office/drawing/2010/main" val="0"/>
+              </a:ext>
+              <a:ext uri="{96DAC541-7B7A-43D3-8B79-37D633B846F1}">
+                <asvg:svgBlip xmlns:asvg="http://schemas.microsoft.com/office/drawing/2016/SVG/main" r:embed="rId31"/>
+              </a:ext>
+            </a:extLst>
+          </a:blip>
+          <a:stretch>
+            <a:fillRect/>
+          </a:stretch>
+        </p:blipFill>
+        <p:spPr>
+          <a:xfrm>
+            <a:off x="3402780" y="2962275"/>
+            <a:ext cx="468000" cy="466725"/>
+          </a:xfrm>
+          <a:prstGeom prst="rect">
+            <a:avLst/>
+          </a:prstGeom>
+        </p:spPr>
+      </p:pic>
+      <p:pic>
+        <p:nvPicPr>
+          <p:cNvPr id="25" name="Gráfico 24" descr="Valla">
+            <a:extLst>
+              <a:ext uri="{FF2B5EF4-FFF2-40B4-BE49-F238E27FC236}">
+                <a16:creationId xmlns:a16="http://schemas.microsoft.com/office/drawing/2014/main" id="{3F65F8F3-E5AE-475B-A71A-D6C4875526BC}"/>
+              </a:ext>
+            </a:extLst>
+          </p:cNvPr>
+          <p:cNvPicPr>
+            <a:picLocks noChangeAspect="1"/>
+          </p:cNvPicPr>
+          <p:nvPr/>
+        </p:nvPicPr>
+        <p:blipFill>
+          <a:blip r:embed="rId32">
+            <a:extLst>
+              <a:ext uri="{28A0092B-C50C-407E-A947-70E740481C1C}">
+                <a14:useLocalDpi xmlns:a14="http://schemas.microsoft.com/office/drawing/2010/main" val="0"/>
+              </a:ext>
+              <a:ext uri="{96DAC541-7B7A-43D3-8B79-37D633B846F1}">
+                <asvg:svgBlip xmlns:asvg="http://schemas.microsoft.com/office/drawing/2016/SVG/main" r:embed="rId33"/>
+              </a:ext>
+            </a:extLst>
+          </a:blip>
+          <a:stretch>
+            <a:fillRect/>
+          </a:stretch>
+        </p:blipFill>
+        <p:spPr>
+          <a:xfrm>
+            <a:off x="3363627" y="3463831"/>
+            <a:ext cx="468000" cy="466725"/>
+          </a:xfrm>
+          <a:prstGeom prst="rect">
+            <a:avLst/>
+          </a:prstGeom>
+        </p:spPr>
+      </p:pic>
+      <p:sp>
+        <p:nvSpPr>
+          <p:cNvPr id="8" name="Elipse 7">
+            <a:extLst>
+              <a:ext uri="{FF2B5EF4-FFF2-40B4-BE49-F238E27FC236}">
+                <a16:creationId xmlns:a16="http://schemas.microsoft.com/office/drawing/2014/main" id="{3EA72897-54C5-45B9-A847-D8C7412B45BB}"/>
+              </a:ext>
+            </a:extLst>
+          </p:cNvPr>
+          <p:cNvSpPr/>
+          <p:nvPr/>
+        </p:nvSpPr>
+        <p:spPr>
+          <a:xfrm>
+            <a:off x="2905294" y="372694"/>
+            <a:ext cx="84751" cy="74584"/>
+          </a:xfrm>
+          <a:prstGeom prst="ellipse">
+            <a:avLst/>
+          </a:prstGeom>
+          <a:solidFill>
+            <a:srgbClr val="92D050"/>
+          </a:solidFill>
+        </p:spPr>
+        <p:style>
+          <a:lnRef idx="2">
+            <a:schemeClr val="accent1">
+              <a:shade val="50000"/>
+            </a:schemeClr>
+          </a:lnRef>
+          <a:fillRef idx="1">
+            <a:schemeClr val="accent1"/>
+          </a:fillRef>
+          <a:effectRef idx="0">
+            <a:schemeClr val="accent1"/>
+          </a:effectRef>
+          <a:fontRef idx="minor">
+            <a:schemeClr val="lt1"/>
+          </a:fontRef>
+        </p:style>
+        <p:txBody>
+          <a:bodyPr rtlCol="0" anchor="ctr"/>
+          <a:lstStyle/>
+          <a:p>
+            <a:pPr algn="ctr"/>
+            <a:endParaRPr lang="es-CO" dirty="0"/>
+          </a:p>
+        </p:txBody>
+      </p:sp>
+      <p:sp>
+        <p:nvSpPr>
+          <p:cNvPr id="28" name="Elipse 27">
+            <a:extLst>
+              <a:ext uri="{FF2B5EF4-FFF2-40B4-BE49-F238E27FC236}">
+                <a16:creationId xmlns:a16="http://schemas.microsoft.com/office/drawing/2014/main" id="{F1EA6748-5940-4897-88F6-303D490FF464}"/>
+              </a:ext>
+            </a:extLst>
+          </p:cNvPr>
+          <p:cNvSpPr/>
+          <p:nvPr/>
+        </p:nvSpPr>
+        <p:spPr>
+          <a:xfrm>
+            <a:off x="2905294" y="672970"/>
+            <a:ext cx="84751" cy="74584"/>
+          </a:xfrm>
+          <a:prstGeom prst="ellipse">
+            <a:avLst/>
+          </a:prstGeom>
+          <a:solidFill>
+            <a:srgbClr val="FF0000"/>
+          </a:solidFill>
+        </p:spPr>
+        <p:style>
+          <a:lnRef idx="2">
+            <a:schemeClr val="accent1">
+              <a:shade val="50000"/>
+            </a:schemeClr>
+          </a:lnRef>
+          <a:fillRef idx="1">
+            <a:schemeClr val="accent1"/>
+          </a:fillRef>
+          <a:effectRef idx="0">
+            <a:schemeClr val="accent1"/>
+          </a:effectRef>
+          <a:fontRef idx="minor">
+            <a:schemeClr val="lt1"/>
+          </a:fontRef>
+        </p:style>
+        <p:txBody>
+          <a:bodyPr rtlCol="0" anchor="ctr"/>
+          <a:lstStyle/>
+          <a:p>
+            <a:pPr algn="ctr"/>
+            <a:endParaRPr lang="es-CO" dirty="0"/>
+          </a:p>
+        </p:txBody>
+      </p:sp>
     </p:spTree>
     <p:extLst>
       <p:ext uri="{BB962C8B-B14F-4D97-AF65-F5344CB8AC3E}">
